--- a/02_Introdução a criação de websites com HTML5 e CSS3/Introdução html5 e css3.pptx
+++ b/02_Introdução a criação de websites com HTML5 e CSS3/Introdução html5 e css3.pptx
@@ -8,6 +8,10 @@
     <p:sldId id="256" r:id="rId2"/>
     <p:sldId id="257" r:id="rId3"/>
     <p:sldId id="258" r:id="rId4"/>
+    <p:sldId id="259" r:id="rId5"/>
+    <p:sldId id="260" r:id="rId6"/>
+    <p:sldId id="261" r:id="rId7"/>
+    <p:sldId id="262" r:id="rId8"/>
   </p:sldIdLst>
   <p:sldSz cx="12192000" cy="6858000"/>
   <p:notesSz cx="6858000" cy="9144000"/>
@@ -261,7 +265,7 @@
           <a:p>
             <a:fld id="{CF5210F9-4033-433F-A940-6EADE4EB8348}" type="datetimeFigureOut">
               <a:rPr lang="pt-BR" smtClean="0"/>
-              <a:t>06/06/2022</a:t>
+              <a:t>07/06/2022</a:t>
             </a:fld>
             <a:endParaRPr lang="pt-BR"/>
           </a:p>
@@ -459,7 +463,7 @@
           <a:p>
             <a:fld id="{CF5210F9-4033-433F-A940-6EADE4EB8348}" type="datetimeFigureOut">
               <a:rPr lang="pt-BR" smtClean="0"/>
-              <a:t>06/06/2022</a:t>
+              <a:t>07/06/2022</a:t>
             </a:fld>
             <a:endParaRPr lang="pt-BR"/>
           </a:p>
@@ -667,7 +671,7 @@
           <a:p>
             <a:fld id="{CF5210F9-4033-433F-A940-6EADE4EB8348}" type="datetimeFigureOut">
               <a:rPr lang="pt-BR" smtClean="0"/>
-              <a:t>06/06/2022</a:t>
+              <a:t>07/06/2022</a:t>
             </a:fld>
             <a:endParaRPr lang="pt-BR"/>
           </a:p>
@@ -865,7 +869,7 @@
           <a:p>
             <a:fld id="{CF5210F9-4033-433F-A940-6EADE4EB8348}" type="datetimeFigureOut">
               <a:rPr lang="pt-BR" smtClean="0"/>
-              <a:t>06/06/2022</a:t>
+              <a:t>07/06/2022</a:t>
             </a:fld>
             <a:endParaRPr lang="pt-BR"/>
           </a:p>
@@ -1140,7 +1144,7 @@
           <a:p>
             <a:fld id="{CF5210F9-4033-433F-A940-6EADE4EB8348}" type="datetimeFigureOut">
               <a:rPr lang="pt-BR" smtClean="0"/>
-              <a:t>06/06/2022</a:t>
+              <a:t>07/06/2022</a:t>
             </a:fld>
             <a:endParaRPr lang="pt-BR"/>
           </a:p>
@@ -1405,7 +1409,7 @@
           <a:p>
             <a:fld id="{CF5210F9-4033-433F-A940-6EADE4EB8348}" type="datetimeFigureOut">
               <a:rPr lang="pt-BR" smtClean="0"/>
-              <a:t>06/06/2022</a:t>
+              <a:t>07/06/2022</a:t>
             </a:fld>
             <a:endParaRPr lang="pt-BR"/>
           </a:p>
@@ -1817,7 +1821,7 @@
           <a:p>
             <a:fld id="{CF5210F9-4033-433F-A940-6EADE4EB8348}" type="datetimeFigureOut">
               <a:rPr lang="pt-BR" smtClean="0"/>
-              <a:t>06/06/2022</a:t>
+              <a:t>07/06/2022</a:t>
             </a:fld>
             <a:endParaRPr lang="pt-BR"/>
           </a:p>
@@ -1958,7 +1962,7 @@
           <a:p>
             <a:fld id="{CF5210F9-4033-433F-A940-6EADE4EB8348}" type="datetimeFigureOut">
               <a:rPr lang="pt-BR" smtClean="0"/>
-              <a:t>06/06/2022</a:t>
+              <a:t>07/06/2022</a:t>
             </a:fld>
             <a:endParaRPr lang="pt-BR"/>
           </a:p>
@@ -2071,7 +2075,7 @@
           <a:p>
             <a:fld id="{CF5210F9-4033-433F-A940-6EADE4EB8348}" type="datetimeFigureOut">
               <a:rPr lang="pt-BR" smtClean="0"/>
-              <a:t>06/06/2022</a:t>
+              <a:t>07/06/2022</a:t>
             </a:fld>
             <a:endParaRPr lang="pt-BR"/>
           </a:p>
@@ -2382,7 +2386,7 @@
           <a:p>
             <a:fld id="{CF5210F9-4033-433F-A940-6EADE4EB8348}" type="datetimeFigureOut">
               <a:rPr lang="pt-BR" smtClean="0"/>
-              <a:t>06/06/2022</a:t>
+              <a:t>07/06/2022</a:t>
             </a:fld>
             <a:endParaRPr lang="pt-BR"/>
           </a:p>
@@ -2670,7 +2674,7 @@
           <a:p>
             <a:fld id="{CF5210F9-4033-433F-A940-6EADE4EB8348}" type="datetimeFigureOut">
               <a:rPr lang="pt-BR" smtClean="0"/>
-              <a:t>06/06/2022</a:t>
+              <a:t>07/06/2022</a:t>
             </a:fld>
             <a:endParaRPr lang="pt-BR"/>
           </a:p>
@@ -2911,7 +2915,7 @@
           <a:p>
             <a:fld id="{CF5210F9-4033-433F-A940-6EADE4EB8348}" type="datetimeFigureOut">
               <a:rPr lang="pt-BR" smtClean="0"/>
-              <a:t>06/06/2022</a:t>
+              <a:t>07/06/2022</a:t>
             </a:fld>
             <a:endParaRPr lang="pt-BR"/>
           </a:p>
@@ -14364,65 +14368,45 @@
           <a:lstStyle/>
           <a:p>
             <a:r>
-              <a:rPr lang="pt-BR" dirty="0" err="1">
+              <a:rPr lang="pt-BR" dirty="0">
                 <a:solidFill>
                   <a:srgbClr val="FFFFFF"/>
                 </a:solidFill>
               </a:rPr>
-              <a:t>xxxxxxxxxxxxxxxxxxxxxxx</a:t>
+              <a:t>Introdução ao curso de HTML</a:t>
             </a:r>
-            <a:endParaRPr lang="pt-BR" dirty="0">
-              <a:solidFill>
-                <a:srgbClr val="FFFFFF"/>
-              </a:solidFill>
-            </a:endParaRPr>
           </a:p>
         </p:txBody>
       </p:sp>
-      <p:sp>
-        <p:nvSpPr>
-          <p:cNvPr id="3" name="Espaço Reservado para Conteúdo 2">
+      <p:pic>
+        <p:nvPicPr>
+          <p:cNvPr id="5" name="Espaço Reservado para Conteúdo 4">
             <a:extLst>
               <a:ext uri="{FF2B5EF4-FFF2-40B4-BE49-F238E27FC236}">
-                <a16:creationId xmlns:a16="http://schemas.microsoft.com/office/drawing/2014/main" id="{6BA6AD36-C509-7F4C-C69D-9DD2478C441B}"/>
+                <a16:creationId xmlns:a16="http://schemas.microsoft.com/office/drawing/2014/main" id="{A163BE1E-53A7-76FF-04BA-B80CC1AB9FBA}"/>
               </a:ext>
             </a:extLst>
           </p:cNvPr>
-          <p:cNvSpPr>
-            <a:spLocks noGrp="1"/>
-          </p:cNvSpPr>
+          <p:cNvPicPr>
+            <a:picLocks noGrp="1" noChangeAspect="1"/>
+          </p:cNvPicPr>
           <p:nvPr>
             <p:ph idx="1"/>
           </p:nvPr>
-        </p:nvSpPr>
+        </p:nvPicPr>
+        <p:blipFill>
+          <a:blip r:embed="rId2"/>
+          <a:stretch>
+            <a:fillRect/>
+          </a:stretch>
+        </p:blipFill>
         <p:spPr>
           <a:xfrm>
-            <a:off x="838201" y="2022601"/>
-            <a:ext cx="10515598" cy="4154361"/>
+            <a:off x="2994711" y="2022475"/>
+            <a:ext cx="6202577" cy="4154488"/>
           </a:xfrm>
         </p:spPr>
-        <p:txBody>
-          <a:bodyPr>
-            <a:normAutofit/>
-          </a:bodyPr>
-          <a:lstStyle/>
-          <a:p>
-            <a:r>
-              <a:rPr lang="pt-BR" sz="2000" dirty="0" err="1">
-                <a:solidFill>
-                  <a:srgbClr val="FFFFFF"/>
-                </a:solidFill>
-              </a:rPr>
-              <a:t>xxxxxxxxxxxxxxxxxxxxxxxxxxxx</a:t>
-            </a:r>
-            <a:endParaRPr lang="pt-BR" sz="2000" dirty="0">
-              <a:solidFill>
-                <a:srgbClr val="FFFFFF"/>
-              </a:solidFill>
-            </a:endParaRPr>
-          </a:p>
-        </p:txBody>
-      </p:sp>
+      </p:pic>
     </p:spTree>
     <p:extLst>
       <p:ext uri="{BB962C8B-B14F-4D97-AF65-F5344CB8AC3E}">
@@ -14771,27 +14755,371 @@
           <a:lstStyle/>
           <a:p>
             <a:r>
-              <a:rPr lang="pt-BR" dirty="0" err="1">
+              <a:rPr lang="pt-BR" dirty="0">
                 <a:solidFill>
                   <a:srgbClr val="FFFFFF"/>
                 </a:solidFill>
               </a:rPr>
-              <a:t>xxxxxxxxxxxxxxxxxxxxxxx</a:t>
+              <a:t>Introdução ao curso de HTML</a:t>
             </a:r>
-            <a:endParaRPr lang="pt-BR" dirty="0">
-              <a:solidFill>
-                <a:srgbClr val="FFFFFF"/>
-              </a:solidFill>
-            </a:endParaRPr>
+          </a:p>
+        </p:txBody>
+      </p:sp>
+      <p:pic>
+        <p:nvPicPr>
+          <p:cNvPr id="7" name="Imagem 6">
+            <a:extLst>
+              <a:ext uri="{FF2B5EF4-FFF2-40B4-BE49-F238E27FC236}">
+                <a16:creationId xmlns:a16="http://schemas.microsoft.com/office/drawing/2014/main" id="{B12EE1A6-6095-1723-EAA4-8A5878FCA255}"/>
+              </a:ext>
+            </a:extLst>
+          </p:cNvPr>
+          <p:cNvPicPr>
+            <a:picLocks noChangeAspect="1"/>
+          </p:cNvPicPr>
+          <p:nvPr/>
+        </p:nvPicPr>
+        <p:blipFill>
+          <a:blip r:embed="rId2"/>
+          <a:stretch>
+            <a:fillRect/>
+          </a:stretch>
+        </p:blipFill>
+        <p:spPr>
+          <a:xfrm>
+            <a:off x="3398700" y="1690688"/>
+            <a:ext cx="4068852" cy="4652339"/>
+          </a:xfrm>
+          <a:prstGeom prst="rect">
+            <a:avLst/>
+          </a:prstGeom>
+        </p:spPr>
+      </p:pic>
+    </p:spTree>
+    <p:extLst>
+      <p:ext uri="{BB962C8B-B14F-4D97-AF65-F5344CB8AC3E}">
+        <p14:creationId xmlns:p14="http://schemas.microsoft.com/office/powerpoint/2010/main" val="153098313"/>
+      </p:ext>
+    </p:extLst>
+  </p:cSld>
+  <p:clrMapOvr>
+    <a:overrideClrMapping bg1="dk1" tx1="lt1" bg2="dk2" tx2="lt2" accent1="accent1" accent2="accent2" accent3="accent3" accent4="accent4" accent5="accent5" accent6="accent6" hlink="hlink" folHlink="folHlink"/>
+  </p:clrMapOvr>
+</p:sld>
+</file>
+
+<file path=ppt/slides/slide4.xml><?xml version="1.0" encoding="utf-8"?>
+<p:sld xmlns:a="http://schemas.openxmlformats.org/drawingml/2006/main" xmlns:r="http://schemas.openxmlformats.org/officeDocument/2006/relationships" xmlns:p="http://schemas.openxmlformats.org/presentationml/2006/main">
+  <p:cSld>
+    <p:bg>
+      <p:bgPr>
+        <a:solidFill>
+          <a:srgbClr val="404040"/>
+        </a:solidFill>
+        <a:effectLst/>
+      </p:bgPr>
+    </p:bg>
+    <p:spTree>
+      <p:nvGrpSpPr>
+        <p:cNvPr id="1" name=""/>
+        <p:cNvGrpSpPr/>
+        <p:nvPr/>
+      </p:nvGrpSpPr>
+      <p:grpSpPr>
+        <a:xfrm>
+          <a:off x="0" y="0"/>
+          <a:ext cx="0" cy="0"/>
+          <a:chOff x="0" y="0"/>
+          <a:chExt cx="0" cy="0"/>
+        </a:xfrm>
+      </p:grpSpPr>
+      <p:sp>
+        <p:nvSpPr>
+          <p:cNvPr id="8" name="Rectangle 7">
+            <a:extLst>
+              <a:ext uri="{FF2B5EF4-FFF2-40B4-BE49-F238E27FC236}">
+                <a16:creationId xmlns:a16="http://schemas.microsoft.com/office/drawing/2014/main" id="{EA67B5B4-3A24-436E-B663-1B2EBFF8A0CD}"/>
+              </a:ext>
+              <a:ext uri="{C183D7F6-B498-43B3-948B-1728B52AA6E4}">
+                <adec:decorative xmlns:adec="http://schemas.microsoft.com/office/drawing/2017/decorative" val="1"/>
+              </a:ext>
+            </a:extLst>
+          </p:cNvPr>
+          <p:cNvSpPr>
+            <a:spLocks noGrp="1" noRot="1" noChangeAspect="1" noMove="1" noResize="1" noEditPoints="1" noAdjustHandles="1" noChangeArrowheads="1" noChangeShapeType="1" noTextEdit="1"/>
+          </p:cNvSpPr>
+          <p:nvPr>
+            <p:extLst>
+              <p:ext uri="{386F3935-93C4-4BCD-93E2-E3B085C9AB24}">
+                <p16:designElem xmlns:p16="http://schemas.microsoft.com/office/powerpoint/2015/main" val="1"/>
+              </p:ext>
+            </p:extLst>
+          </p:nvPr>
+        </p:nvSpPr>
+        <p:spPr>
+          <a:xfrm>
+            <a:off x="0" y="-3324"/>
+            <a:ext cx="12192000" cy="6861324"/>
+          </a:xfrm>
+          <a:prstGeom prst="rect">
+            <a:avLst/>
+          </a:prstGeom>
+          <a:solidFill>
+            <a:srgbClr val="404040"/>
+          </a:solidFill>
+          <a:ln>
+            <a:noFill/>
+          </a:ln>
+        </p:spPr>
+        <p:style>
+          <a:lnRef idx="2">
+            <a:schemeClr val="accent1">
+              <a:shade val="50000"/>
+            </a:schemeClr>
+          </a:lnRef>
+          <a:fillRef idx="1">
+            <a:schemeClr val="accent1"/>
+          </a:fillRef>
+          <a:effectRef idx="0">
+            <a:schemeClr val="accent1"/>
+          </a:effectRef>
+          <a:fontRef idx="minor">
+            <a:schemeClr val="lt1"/>
+          </a:fontRef>
+        </p:style>
+        <p:txBody>
+          <a:bodyPr rtlCol="0" anchor="ctr"/>
+          <a:lstStyle/>
+          <a:p>
+            <a:pPr algn="ctr"/>
+            <a:endParaRPr lang="en-US"/>
           </a:p>
         </p:txBody>
       </p:sp>
       <p:sp>
         <p:nvSpPr>
-          <p:cNvPr id="3" name="Espaço Reservado para Conteúdo 2">
+          <p:cNvPr id="10" name="Freeform 13">
             <a:extLst>
               <a:ext uri="{FF2B5EF4-FFF2-40B4-BE49-F238E27FC236}">
-                <a16:creationId xmlns:a16="http://schemas.microsoft.com/office/drawing/2014/main" id="{6BA6AD36-C509-7F4C-C69D-9DD2478C441B}"/>
+                <a16:creationId xmlns:a16="http://schemas.microsoft.com/office/drawing/2014/main" id="{987FDF89-C993-41F4-A1B8-DBAFF16008A9}"/>
+              </a:ext>
+              <a:ext uri="{C183D7F6-B498-43B3-948B-1728B52AA6E4}">
+                <adec:decorative xmlns:adec="http://schemas.microsoft.com/office/drawing/2017/decorative" val="1"/>
+              </a:ext>
+            </a:extLst>
+          </p:cNvPr>
+          <p:cNvSpPr>
+            <a:spLocks noGrp="1" noRot="1" noChangeAspect="1" noMove="1" noResize="1" noEditPoints="1" noAdjustHandles="1" noChangeArrowheads="1" noChangeShapeType="1" noTextEdit="1"/>
+          </p:cNvSpPr>
+          <p:nvPr>
+            <p:extLst>
+              <p:ext uri="{386F3935-93C4-4BCD-93E2-E3B085C9AB24}">
+                <p16:designElem xmlns:p16="http://schemas.microsoft.com/office/powerpoint/2015/main" val="1"/>
+              </p:ext>
+            </p:extLst>
+          </p:nvPr>
+        </p:nvSpPr>
+        <p:spPr>
+          <a:xfrm>
+            <a:off x="0" y="0"/>
+            <a:ext cx="11786754" cy="6858000"/>
+          </a:xfrm>
+          <a:custGeom>
+            <a:avLst/>
+            <a:gdLst>
+              <a:gd name="connsiteX0" fmla="*/ 0 w 11786754"/>
+              <a:gd name="connsiteY0" fmla="*/ 0 h 6858000"/>
+              <a:gd name="connsiteX1" fmla="*/ 8610600 w 11786754"/>
+              <a:gd name="connsiteY1" fmla="*/ 0 h 6858000"/>
+              <a:gd name="connsiteX2" fmla="*/ 11786754 w 11786754"/>
+              <a:gd name="connsiteY2" fmla="*/ 6858000 h 6858000"/>
+              <a:gd name="connsiteX3" fmla="*/ 0 w 11786754"/>
+              <a:gd name="connsiteY3" fmla="*/ 6858000 h 6858000"/>
+            </a:gdLst>
+            <a:ahLst/>
+            <a:cxnLst>
+              <a:cxn ang="0">
+                <a:pos x="connsiteX0" y="connsiteY0"/>
+              </a:cxn>
+              <a:cxn ang="0">
+                <a:pos x="connsiteX1" y="connsiteY1"/>
+              </a:cxn>
+              <a:cxn ang="0">
+                <a:pos x="connsiteX2" y="connsiteY2"/>
+              </a:cxn>
+              <a:cxn ang="0">
+                <a:pos x="connsiteX3" y="connsiteY3"/>
+              </a:cxn>
+            </a:cxnLst>
+            <a:rect l="l" t="t" r="r" b="b"/>
+            <a:pathLst>
+              <a:path w="11786754" h="6858000">
+                <a:moveTo>
+                  <a:pt x="0" y="0"/>
+                </a:moveTo>
+                <a:lnTo>
+                  <a:pt x="8610600" y="0"/>
+                </a:lnTo>
+                <a:lnTo>
+                  <a:pt x="11786754" y="6858000"/>
+                </a:lnTo>
+                <a:lnTo>
+                  <a:pt x="0" y="6858000"/>
+                </a:lnTo>
+                <a:close/>
+              </a:path>
+            </a:pathLst>
+          </a:custGeom>
+          <a:solidFill>
+            <a:srgbClr val="000000">
+              <a:alpha val="29804"/>
+            </a:srgbClr>
+          </a:solidFill>
+          <a:ln>
+            <a:noFill/>
+          </a:ln>
+        </p:spPr>
+        <p:style>
+          <a:lnRef idx="2">
+            <a:schemeClr val="accent1">
+              <a:shade val="50000"/>
+            </a:schemeClr>
+          </a:lnRef>
+          <a:fillRef idx="1">
+            <a:schemeClr val="accent1"/>
+          </a:fillRef>
+          <a:effectRef idx="0">
+            <a:schemeClr val="accent1"/>
+          </a:effectRef>
+          <a:fontRef idx="minor">
+            <a:schemeClr val="lt1"/>
+          </a:fontRef>
+        </p:style>
+        <p:txBody>
+          <a:bodyPr rtlCol="0" anchor="ctr"/>
+          <a:lstStyle/>
+          <a:p>
+            <a:pPr algn="ctr"/>
+            <a:endParaRPr lang="en-US"/>
+          </a:p>
+        </p:txBody>
+      </p:sp>
+      <p:sp>
+        <p:nvSpPr>
+          <p:cNvPr id="12" name="Freeform 11">
+            <a:extLst>
+              <a:ext uri="{FF2B5EF4-FFF2-40B4-BE49-F238E27FC236}">
+                <a16:creationId xmlns:a16="http://schemas.microsoft.com/office/drawing/2014/main" id="{64E585EA-75FD-4025-8270-F66A58A15CDA}"/>
+              </a:ext>
+              <a:ext uri="{C183D7F6-B498-43B3-948B-1728B52AA6E4}">
+                <adec:decorative xmlns:adec="http://schemas.microsoft.com/office/drawing/2017/decorative" val="1"/>
+              </a:ext>
+            </a:extLst>
+          </p:cNvPr>
+          <p:cNvSpPr>
+            <a:spLocks noGrp="1" noRot="1" noChangeAspect="1" noMove="1" noResize="1" noEditPoints="1" noAdjustHandles="1" noChangeArrowheads="1" noChangeShapeType="1" noTextEdit="1"/>
+          </p:cNvSpPr>
+          <p:nvPr>
+            <p:extLst>
+              <p:ext uri="{386F3935-93C4-4BCD-93E2-E3B085C9AB24}">
+                <p16:designElem xmlns:p16="http://schemas.microsoft.com/office/powerpoint/2015/main" val="1"/>
+              </p:ext>
+            </p:extLst>
+          </p:nvPr>
+        </p:nvSpPr>
+        <p:spPr>
+          <a:xfrm>
+            <a:off x="0" y="0"/>
+            <a:ext cx="3581400" cy="6858000"/>
+          </a:xfrm>
+          <a:custGeom>
+            <a:avLst/>
+            <a:gdLst>
+              <a:gd name="connsiteX0" fmla="*/ 0 w 3581400"/>
+              <a:gd name="connsiteY0" fmla="*/ 0 h 6858000"/>
+              <a:gd name="connsiteX1" fmla="*/ 405246 w 3581400"/>
+              <a:gd name="connsiteY1" fmla="*/ 0 h 6858000"/>
+              <a:gd name="connsiteX2" fmla="*/ 3581400 w 3581400"/>
+              <a:gd name="connsiteY2" fmla="*/ 6858000 h 6858000"/>
+              <a:gd name="connsiteX3" fmla="*/ 0 w 3581400"/>
+              <a:gd name="connsiteY3" fmla="*/ 6858000 h 6858000"/>
+            </a:gdLst>
+            <a:ahLst/>
+            <a:cxnLst>
+              <a:cxn ang="0">
+                <a:pos x="connsiteX0" y="connsiteY0"/>
+              </a:cxn>
+              <a:cxn ang="0">
+                <a:pos x="connsiteX1" y="connsiteY1"/>
+              </a:cxn>
+              <a:cxn ang="0">
+                <a:pos x="connsiteX2" y="connsiteY2"/>
+              </a:cxn>
+              <a:cxn ang="0">
+                <a:pos x="connsiteX3" y="connsiteY3"/>
+              </a:cxn>
+            </a:cxnLst>
+            <a:rect l="l" t="t" r="r" b="b"/>
+            <a:pathLst>
+              <a:path w="3581400" h="6858000">
+                <a:moveTo>
+                  <a:pt x="0" y="0"/>
+                </a:moveTo>
+                <a:lnTo>
+                  <a:pt x="405246" y="0"/>
+                </a:lnTo>
+                <a:lnTo>
+                  <a:pt x="3581400" y="6858000"/>
+                </a:lnTo>
+                <a:lnTo>
+                  <a:pt x="0" y="6858000"/>
+                </a:lnTo>
+                <a:close/>
+              </a:path>
+            </a:pathLst>
+          </a:custGeom>
+          <a:solidFill>
+            <a:srgbClr val="000000">
+              <a:alpha val="29804"/>
+            </a:srgbClr>
+          </a:solidFill>
+          <a:ln>
+            <a:noFill/>
+          </a:ln>
+        </p:spPr>
+        <p:style>
+          <a:lnRef idx="2">
+            <a:schemeClr val="accent1">
+              <a:shade val="50000"/>
+            </a:schemeClr>
+          </a:lnRef>
+          <a:fillRef idx="1">
+            <a:schemeClr val="accent1"/>
+          </a:fillRef>
+          <a:effectRef idx="0">
+            <a:schemeClr val="accent1"/>
+          </a:effectRef>
+          <a:fontRef idx="minor">
+            <a:schemeClr val="lt1"/>
+          </a:fontRef>
+        </p:style>
+        <p:txBody>
+          <a:bodyPr wrap="square" rtlCol="0" anchor="ctr">
+            <a:noAutofit/>
+          </a:bodyPr>
+          <a:lstStyle/>
+          <a:p>
+            <a:pPr algn="ctr"/>
+            <a:endParaRPr lang="en-US"/>
+          </a:p>
+        </p:txBody>
+      </p:sp>
+      <p:sp>
+        <p:nvSpPr>
+          <p:cNvPr id="2" name="Título 1">
+            <a:extLst>
+              <a:ext uri="{FF2B5EF4-FFF2-40B4-BE49-F238E27FC236}">
+                <a16:creationId xmlns:a16="http://schemas.microsoft.com/office/drawing/2014/main" id="{FFF36D01-D206-25B5-C189-70A177442759}"/>
               </a:ext>
             </a:extLst>
           </p:cNvPr>
@@ -14799,13 +15127,13 @@
             <a:spLocks noGrp="1"/>
           </p:cNvSpPr>
           <p:nvPr>
-            <p:ph idx="1"/>
+            <p:ph type="title"/>
           </p:nvPr>
         </p:nvSpPr>
         <p:spPr>
           <a:xfrm>
-            <a:off x="838201" y="2022601"/>
-            <a:ext cx="10515598" cy="4154361"/>
+            <a:off x="833002" y="365125"/>
+            <a:ext cx="10520702" cy="1325563"/>
           </a:xfrm>
         </p:spPr>
         <p:txBody>
@@ -14815,92 +15143,1244 @@
           <a:lstStyle/>
           <a:p>
             <a:r>
-              <a:rPr lang="pt-BR" sz="2000" dirty="0" err="1">
+              <a:rPr lang="pt-BR" dirty="0">
                 <a:solidFill>
                   <a:srgbClr val="FFFFFF"/>
                 </a:solidFill>
               </a:rPr>
-              <a:t>Xxxxxxxxxxxxxxxxxxxxxxxxxxxxxxxx</a:t>
+              <a:t>Introdução ao curso de HTML</a:t>
             </a:r>
-            <a:endParaRPr lang="pt-BR" sz="2000" dirty="0">
-              <a:solidFill>
-                <a:srgbClr val="FFFFFF"/>
-              </a:solidFill>
-            </a:endParaRPr>
           </a:p>
+        </p:txBody>
+      </p:sp>
+      <p:pic>
+        <p:nvPicPr>
+          <p:cNvPr id="4" name="Imagem 3">
+            <a:extLst>
+              <a:ext uri="{FF2B5EF4-FFF2-40B4-BE49-F238E27FC236}">
+                <a16:creationId xmlns:a16="http://schemas.microsoft.com/office/drawing/2014/main" id="{65D4E8F2-3AF6-A91C-5765-69013A7DB37A}"/>
+              </a:ext>
+            </a:extLst>
+          </p:cNvPr>
+          <p:cNvPicPr>
+            <a:picLocks noChangeAspect="1"/>
+          </p:cNvPicPr>
+          <p:nvPr/>
+        </p:nvPicPr>
+        <p:blipFill>
+          <a:blip r:embed="rId2"/>
+          <a:stretch>
+            <a:fillRect/>
+          </a:stretch>
+        </p:blipFill>
+        <p:spPr>
+          <a:xfrm>
+            <a:off x="934071" y="1690688"/>
+            <a:ext cx="5161929" cy="4371975"/>
+          </a:xfrm>
+          <a:prstGeom prst="rect">
+            <a:avLst/>
+          </a:prstGeom>
+        </p:spPr>
+      </p:pic>
+      <p:pic>
+        <p:nvPicPr>
+          <p:cNvPr id="6" name="Imagem 5">
+            <a:extLst>
+              <a:ext uri="{FF2B5EF4-FFF2-40B4-BE49-F238E27FC236}">
+                <a16:creationId xmlns:a16="http://schemas.microsoft.com/office/drawing/2014/main" id="{82282E3B-BE58-2FA0-245D-A8C596EE642A}"/>
+              </a:ext>
+            </a:extLst>
+          </p:cNvPr>
+          <p:cNvPicPr>
+            <a:picLocks noChangeAspect="1"/>
+          </p:cNvPicPr>
+          <p:nvPr/>
+        </p:nvPicPr>
+        <p:blipFill>
+          <a:blip r:embed="rId3"/>
+          <a:stretch>
+            <a:fillRect/>
+          </a:stretch>
+        </p:blipFill>
+        <p:spPr>
+          <a:xfrm>
+            <a:off x="6609478" y="1690688"/>
+            <a:ext cx="4954165" cy="4371975"/>
+          </a:xfrm>
+          <a:prstGeom prst="rect">
+            <a:avLst/>
+          </a:prstGeom>
+        </p:spPr>
+      </p:pic>
+    </p:spTree>
+    <p:extLst>
+      <p:ext uri="{BB962C8B-B14F-4D97-AF65-F5344CB8AC3E}">
+        <p14:creationId xmlns:p14="http://schemas.microsoft.com/office/powerpoint/2010/main" val="1401449764"/>
+      </p:ext>
+    </p:extLst>
+  </p:cSld>
+  <p:clrMapOvr>
+    <a:overrideClrMapping bg1="dk1" tx1="lt1" bg2="dk2" tx2="lt2" accent1="accent1" accent2="accent2" accent3="accent3" accent4="accent4" accent5="accent5" accent6="accent6" hlink="hlink" folHlink="folHlink"/>
+  </p:clrMapOvr>
+</p:sld>
+</file>
+
+<file path=ppt/slides/slide5.xml><?xml version="1.0" encoding="utf-8"?>
+<p:sld xmlns:a="http://schemas.openxmlformats.org/drawingml/2006/main" xmlns:r="http://schemas.openxmlformats.org/officeDocument/2006/relationships" xmlns:p="http://schemas.openxmlformats.org/presentationml/2006/main">
+  <p:cSld>
+    <p:bg>
+      <p:bgPr>
+        <a:solidFill>
+          <a:srgbClr val="404040"/>
+        </a:solidFill>
+        <a:effectLst/>
+      </p:bgPr>
+    </p:bg>
+    <p:spTree>
+      <p:nvGrpSpPr>
+        <p:cNvPr id="1" name=""/>
+        <p:cNvGrpSpPr/>
+        <p:nvPr/>
+      </p:nvGrpSpPr>
+      <p:grpSpPr>
+        <a:xfrm>
+          <a:off x="0" y="0"/>
+          <a:ext cx="0" cy="0"/>
+          <a:chOff x="0" y="0"/>
+          <a:chExt cx="0" cy="0"/>
+        </a:xfrm>
+      </p:grpSpPr>
+      <p:sp>
+        <p:nvSpPr>
+          <p:cNvPr id="8" name="Rectangle 7">
+            <a:extLst>
+              <a:ext uri="{FF2B5EF4-FFF2-40B4-BE49-F238E27FC236}">
+                <a16:creationId xmlns:a16="http://schemas.microsoft.com/office/drawing/2014/main" id="{EA67B5B4-3A24-436E-B663-1B2EBFF8A0CD}"/>
+              </a:ext>
+              <a:ext uri="{C183D7F6-B498-43B3-948B-1728B52AA6E4}">
+                <adec:decorative xmlns:adec="http://schemas.microsoft.com/office/drawing/2017/decorative" val="1"/>
+              </a:ext>
+            </a:extLst>
+          </p:cNvPr>
+          <p:cNvSpPr>
+            <a:spLocks noGrp="1" noRot="1" noChangeAspect="1" noMove="1" noResize="1" noEditPoints="1" noAdjustHandles="1" noChangeArrowheads="1" noChangeShapeType="1" noTextEdit="1"/>
+          </p:cNvSpPr>
+          <p:nvPr>
+            <p:extLst>
+              <p:ext uri="{386F3935-93C4-4BCD-93E2-E3B085C9AB24}">
+                <p16:designElem xmlns:p16="http://schemas.microsoft.com/office/powerpoint/2015/main" val="1"/>
+              </p:ext>
+            </p:extLst>
+          </p:nvPr>
+        </p:nvSpPr>
+        <p:spPr>
+          <a:xfrm>
+            <a:off x="0" y="-3324"/>
+            <a:ext cx="12192000" cy="6861324"/>
+          </a:xfrm>
+          <a:prstGeom prst="rect">
+            <a:avLst/>
+          </a:prstGeom>
+          <a:solidFill>
+            <a:srgbClr val="404040"/>
+          </a:solidFill>
+          <a:ln>
+            <a:noFill/>
+          </a:ln>
+        </p:spPr>
+        <p:style>
+          <a:lnRef idx="2">
+            <a:schemeClr val="accent1">
+              <a:shade val="50000"/>
+            </a:schemeClr>
+          </a:lnRef>
+          <a:fillRef idx="1">
+            <a:schemeClr val="accent1"/>
+          </a:fillRef>
+          <a:effectRef idx="0">
+            <a:schemeClr val="accent1"/>
+          </a:effectRef>
+          <a:fontRef idx="minor">
+            <a:schemeClr val="lt1"/>
+          </a:fontRef>
+        </p:style>
+        <p:txBody>
+          <a:bodyPr rtlCol="0" anchor="ctr"/>
+          <a:lstStyle/>
+          <a:p>
+            <a:pPr algn="ctr"/>
+            <a:endParaRPr lang="en-US"/>
+          </a:p>
+        </p:txBody>
+      </p:sp>
+      <p:sp>
+        <p:nvSpPr>
+          <p:cNvPr id="10" name="Freeform 13">
+            <a:extLst>
+              <a:ext uri="{FF2B5EF4-FFF2-40B4-BE49-F238E27FC236}">
+                <a16:creationId xmlns:a16="http://schemas.microsoft.com/office/drawing/2014/main" id="{987FDF89-C993-41F4-A1B8-DBAFF16008A9}"/>
+              </a:ext>
+              <a:ext uri="{C183D7F6-B498-43B3-948B-1728B52AA6E4}">
+                <adec:decorative xmlns:adec="http://schemas.microsoft.com/office/drawing/2017/decorative" val="1"/>
+              </a:ext>
+            </a:extLst>
+          </p:cNvPr>
+          <p:cNvSpPr>
+            <a:spLocks noGrp="1" noRot="1" noChangeAspect="1" noMove="1" noResize="1" noEditPoints="1" noAdjustHandles="1" noChangeArrowheads="1" noChangeShapeType="1" noTextEdit="1"/>
+          </p:cNvSpPr>
+          <p:nvPr>
+            <p:extLst>
+              <p:ext uri="{386F3935-93C4-4BCD-93E2-E3B085C9AB24}">
+                <p16:designElem xmlns:p16="http://schemas.microsoft.com/office/powerpoint/2015/main" val="1"/>
+              </p:ext>
+            </p:extLst>
+          </p:nvPr>
+        </p:nvSpPr>
+        <p:spPr>
+          <a:xfrm>
+            <a:off x="0" y="0"/>
+            <a:ext cx="11786754" cy="6858000"/>
+          </a:xfrm>
+          <a:custGeom>
+            <a:avLst/>
+            <a:gdLst>
+              <a:gd name="connsiteX0" fmla="*/ 0 w 11786754"/>
+              <a:gd name="connsiteY0" fmla="*/ 0 h 6858000"/>
+              <a:gd name="connsiteX1" fmla="*/ 8610600 w 11786754"/>
+              <a:gd name="connsiteY1" fmla="*/ 0 h 6858000"/>
+              <a:gd name="connsiteX2" fmla="*/ 11786754 w 11786754"/>
+              <a:gd name="connsiteY2" fmla="*/ 6858000 h 6858000"/>
+              <a:gd name="connsiteX3" fmla="*/ 0 w 11786754"/>
+              <a:gd name="connsiteY3" fmla="*/ 6858000 h 6858000"/>
+            </a:gdLst>
+            <a:ahLst/>
+            <a:cxnLst>
+              <a:cxn ang="0">
+                <a:pos x="connsiteX0" y="connsiteY0"/>
+              </a:cxn>
+              <a:cxn ang="0">
+                <a:pos x="connsiteX1" y="connsiteY1"/>
+              </a:cxn>
+              <a:cxn ang="0">
+                <a:pos x="connsiteX2" y="connsiteY2"/>
+              </a:cxn>
+              <a:cxn ang="0">
+                <a:pos x="connsiteX3" y="connsiteY3"/>
+              </a:cxn>
+            </a:cxnLst>
+            <a:rect l="l" t="t" r="r" b="b"/>
+            <a:pathLst>
+              <a:path w="11786754" h="6858000">
+                <a:moveTo>
+                  <a:pt x="0" y="0"/>
+                </a:moveTo>
+                <a:lnTo>
+                  <a:pt x="8610600" y="0"/>
+                </a:lnTo>
+                <a:lnTo>
+                  <a:pt x="11786754" y="6858000"/>
+                </a:lnTo>
+                <a:lnTo>
+                  <a:pt x="0" y="6858000"/>
+                </a:lnTo>
+                <a:close/>
+              </a:path>
+            </a:pathLst>
+          </a:custGeom>
+          <a:solidFill>
+            <a:srgbClr val="000000">
+              <a:alpha val="29804"/>
+            </a:srgbClr>
+          </a:solidFill>
+          <a:ln>
+            <a:noFill/>
+          </a:ln>
+        </p:spPr>
+        <p:style>
+          <a:lnRef idx="2">
+            <a:schemeClr val="accent1">
+              <a:shade val="50000"/>
+            </a:schemeClr>
+          </a:lnRef>
+          <a:fillRef idx="1">
+            <a:schemeClr val="accent1"/>
+          </a:fillRef>
+          <a:effectRef idx="0">
+            <a:schemeClr val="accent1"/>
+          </a:effectRef>
+          <a:fontRef idx="minor">
+            <a:schemeClr val="lt1"/>
+          </a:fontRef>
+        </p:style>
+        <p:txBody>
+          <a:bodyPr rtlCol="0" anchor="ctr"/>
+          <a:lstStyle/>
+          <a:p>
+            <a:pPr algn="ctr"/>
+            <a:endParaRPr lang="en-US"/>
+          </a:p>
+        </p:txBody>
+      </p:sp>
+      <p:sp>
+        <p:nvSpPr>
+          <p:cNvPr id="12" name="Freeform 11">
+            <a:extLst>
+              <a:ext uri="{FF2B5EF4-FFF2-40B4-BE49-F238E27FC236}">
+                <a16:creationId xmlns:a16="http://schemas.microsoft.com/office/drawing/2014/main" id="{64E585EA-75FD-4025-8270-F66A58A15CDA}"/>
+              </a:ext>
+              <a:ext uri="{C183D7F6-B498-43B3-948B-1728B52AA6E4}">
+                <adec:decorative xmlns:adec="http://schemas.microsoft.com/office/drawing/2017/decorative" val="1"/>
+              </a:ext>
+            </a:extLst>
+          </p:cNvPr>
+          <p:cNvSpPr>
+            <a:spLocks noGrp="1" noRot="1" noChangeAspect="1" noMove="1" noResize="1" noEditPoints="1" noAdjustHandles="1" noChangeArrowheads="1" noChangeShapeType="1" noTextEdit="1"/>
+          </p:cNvSpPr>
+          <p:nvPr>
+            <p:extLst>
+              <p:ext uri="{386F3935-93C4-4BCD-93E2-E3B085C9AB24}">
+                <p16:designElem xmlns:p16="http://schemas.microsoft.com/office/powerpoint/2015/main" val="1"/>
+              </p:ext>
+            </p:extLst>
+          </p:nvPr>
+        </p:nvSpPr>
+        <p:spPr>
+          <a:xfrm>
+            <a:off x="0" y="0"/>
+            <a:ext cx="3581400" cy="6858000"/>
+          </a:xfrm>
+          <a:custGeom>
+            <a:avLst/>
+            <a:gdLst>
+              <a:gd name="connsiteX0" fmla="*/ 0 w 3581400"/>
+              <a:gd name="connsiteY0" fmla="*/ 0 h 6858000"/>
+              <a:gd name="connsiteX1" fmla="*/ 405246 w 3581400"/>
+              <a:gd name="connsiteY1" fmla="*/ 0 h 6858000"/>
+              <a:gd name="connsiteX2" fmla="*/ 3581400 w 3581400"/>
+              <a:gd name="connsiteY2" fmla="*/ 6858000 h 6858000"/>
+              <a:gd name="connsiteX3" fmla="*/ 0 w 3581400"/>
+              <a:gd name="connsiteY3" fmla="*/ 6858000 h 6858000"/>
+            </a:gdLst>
+            <a:ahLst/>
+            <a:cxnLst>
+              <a:cxn ang="0">
+                <a:pos x="connsiteX0" y="connsiteY0"/>
+              </a:cxn>
+              <a:cxn ang="0">
+                <a:pos x="connsiteX1" y="connsiteY1"/>
+              </a:cxn>
+              <a:cxn ang="0">
+                <a:pos x="connsiteX2" y="connsiteY2"/>
+              </a:cxn>
+              <a:cxn ang="0">
+                <a:pos x="connsiteX3" y="connsiteY3"/>
+              </a:cxn>
+            </a:cxnLst>
+            <a:rect l="l" t="t" r="r" b="b"/>
+            <a:pathLst>
+              <a:path w="3581400" h="6858000">
+                <a:moveTo>
+                  <a:pt x="0" y="0"/>
+                </a:moveTo>
+                <a:lnTo>
+                  <a:pt x="405246" y="0"/>
+                </a:lnTo>
+                <a:lnTo>
+                  <a:pt x="3581400" y="6858000"/>
+                </a:lnTo>
+                <a:lnTo>
+                  <a:pt x="0" y="6858000"/>
+                </a:lnTo>
+                <a:close/>
+              </a:path>
+            </a:pathLst>
+          </a:custGeom>
+          <a:solidFill>
+            <a:srgbClr val="000000">
+              <a:alpha val="29804"/>
+            </a:srgbClr>
+          </a:solidFill>
+          <a:ln>
+            <a:noFill/>
+          </a:ln>
+        </p:spPr>
+        <p:style>
+          <a:lnRef idx="2">
+            <a:schemeClr val="accent1">
+              <a:shade val="50000"/>
+            </a:schemeClr>
+          </a:lnRef>
+          <a:fillRef idx="1">
+            <a:schemeClr val="accent1"/>
+          </a:fillRef>
+          <a:effectRef idx="0">
+            <a:schemeClr val="accent1"/>
+          </a:effectRef>
+          <a:fontRef idx="minor">
+            <a:schemeClr val="lt1"/>
+          </a:fontRef>
+        </p:style>
+        <p:txBody>
+          <a:bodyPr wrap="square" rtlCol="0" anchor="ctr">
+            <a:noAutofit/>
+          </a:bodyPr>
+          <a:lstStyle/>
+          <a:p>
+            <a:pPr algn="ctr"/>
+            <a:endParaRPr lang="en-US"/>
+          </a:p>
+        </p:txBody>
+      </p:sp>
+      <p:sp>
+        <p:nvSpPr>
+          <p:cNvPr id="2" name="Título 1">
+            <a:extLst>
+              <a:ext uri="{FF2B5EF4-FFF2-40B4-BE49-F238E27FC236}">
+                <a16:creationId xmlns:a16="http://schemas.microsoft.com/office/drawing/2014/main" id="{FFF36D01-D206-25B5-C189-70A177442759}"/>
+              </a:ext>
+            </a:extLst>
+          </p:cNvPr>
+          <p:cNvSpPr>
+            <a:spLocks noGrp="1"/>
+          </p:cNvSpPr>
+          <p:nvPr>
+            <p:ph type="title"/>
+          </p:nvPr>
+        </p:nvSpPr>
+        <p:spPr>
+          <a:xfrm>
+            <a:off x="833002" y="365125"/>
+            <a:ext cx="10520702" cy="1325563"/>
+          </a:xfrm>
+        </p:spPr>
+        <p:txBody>
+          <a:bodyPr>
+            <a:normAutofit/>
+          </a:bodyPr>
+          <a:lstStyle/>
           <a:p>
             <a:r>
-              <a:rPr lang="pt-BR" sz="2000" dirty="0" err="1">
+              <a:rPr lang="pt-BR" dirty="0">
                 <a:solidFill>
                   <a:srgbClr val="FFFFFF"/>
                 </a:solidFill>
               </a:rPr>
-              <a:t>Xxxxxxxxxxxxxxxxxxxxxxxxxx</a:t>
+              <a:t>Introdução ao curso de HTML</a:t>
             </a:r>
-            <a:endParaRPr lang="pt-BR" sz="2000" dirty="0">
-              <a:solidFill>
-                <a:srgbClr val="FFFFFF"/>
-              </a:solidFill>
-            </a:endParaRPr>
           </a:p>
+        </p:txBody>
+      </p:sp>
+      <p:pic>
+        <p:nvPicPr>
+          <p:cNvPr id="5" name="Imagem 4">
+            <a:extLst>
+              <a:ext uri="{FF2B5EF4-FFF2-40B4-BE49-F238E27FC236}">
+                <a16:creationId xmlns:a16="http://schemas.microsoft.com/office/drawing/2014/main" id="{3FCF6543-B2F5-E68C-F702-7540EEFCDDDA}"/>
+              </a:ext>
+            </a:extLst>
+          </p:cNvPr>
+          <p:cNvPicPr>
+            <a:picLocks noChangeAspect="1"/>
+          </p:cNvPicPr>
+          <p:nvPr/>
+        </p:nvPicPr>
+        <p:blipFill>
+          <a:blip r:embed="rId2"/>
+          <a:stretch>
+            <a:fillRect/>
+          </a:stretch>
+        </p:blipFill>
+        <p:spPr>
+          <a:xfrm>
+            <a:off x="1023504" y="1690688"/>
+            <a:ext cx="10520702" cy="4514850"/>
+          </a:xfrm>
+          <a:prstGeom prst="rect">
+            <a:avLst/>
+          </a:prstGeom>
+        </p:spPr>
+      </p:pic>
+    </p:spTree>
+    <p:extLst>
+      <p:ext uri="{BB962C8B-B14F-4D97-AF65-F5344CB8AC3E}">
+        <p14:creationId xmlns:p14="http://schemas.microsoft.com/office/powerpoint/2010/main" val="2538138303"/>
+      </p:ext>
+    </p:extLst>
+  </p:cSld>
+  <p:clrMapOvr>
+    <a:overrideClrMapping bg1="dk1" tx1="lt1" bg2="dk2" tx2="lt2" accent1="accent1" accent2="accent2" accent3="accent3" accent4="accent4" accent5="accent5" accent6="accent6" hlink="hlink" folHlink="folHlink"/>
+  </p:clrMapOvr>
+</p:sld>
+</file>
+
+<file path=ppt/slides/slide6.xml><?xml version="1.0" encoding="utf-8"?>
+<p:sld xmlns:a="http://schemas.openxmlformats.org/drawingml/2006/main" xmlns:r="http://schemas.openxmlformats.org/officeDocument/2006/relationships" xmlns:p="http://schemas.openxmlformats.org/presentationml/2006/main">
+  <p:cSld>
+    <p:bg>
+      <p:bgPr>
+        <a:solidFill>
+          <a:srgbClr val="404040"/>
+        </a:solidFill>
+        <a:effectLst/>
+      </p:bgPr>
+    </p:bg>
+    <p:spTree>
+      <p:nvGrpSpPr>
+        <p:cNvPr id="1" name=""/>
+        <p:cNvGrpSpPr/>
+        <p:nvPr/>
+      </p:nvGrpSpPr>
+      <p:grpSpPr>
+        <a:xfrm>
+          <a:off x="0" y="0"/>
+          <a:ext cx="0" cy="0"/>
+          <a:chOff x="0" y="0"/>
+          <a:chExt cx="0" cy="0"/>
+        </a:xfrm>
+      </p:grpSpPr>
+      <p:sp>
+        <p:nvSpPr>
+          <p:cNvPr id="8" name="Rectangle 7">
+            <a:extLst>
+              <a:ext uri="{FF2B5EF4-FFF2-40B4-BE49-F238E27FC236}">
+                <a16:creationId xmlns:a16="http://schemas.microsoft.com/office/drawing/2014/main" id="{EA67B5B4-3A24-436E-B663-1B2EBFF8A0CD}"/>
+              </a:ext>
+              <a:ext uri="{C183D7F6-B498-43B3-948B-1728B52AA6E4}">
+                <adec:decorative xmlns:adec="http://schemas.microsoft.com/office/drawing/2017/decorative" val="1"/>
+              </a:ext>
+            </a:extLst>
+          </p:cNvPr>
+          <p:cNvSpPr>
+            <a:spLocks noGrp="1" noRot="1" noChangeAspect="1" noMove="1" noResize="1" noEditPoints="1" noAdjustHandles="1" noChangeArrowheads="1" noChangeShapeType="1" noTextEdit="1"/>
+          </p:cNvSpPr>
+          <p:nvPr>
+            <p:extLst>
+              <p:ext uri="{386F3935-93C4-4BCD-93E2-E3B085C9AB24}">
+                <p16:designElem xmlns:p16="http://schemas.microsoft.com/office/powerpoint/2015/main" val="1"/>
+              </p:ext>
+            </p:extLst>
+          </p:nvPr>
+        </p:nvSpPr>
+        <p:spPr>
+          <a:xfrm>
+            <a:off x="0" y="-3324"/>
+            <a:ext cx="12192000" cy="6861324"/>
+          </a:xfrm>
+          <a:prstGeom prst="rect">
+            <a:avLst/>
+          </a:prstGeom>
+          <a:solidFill>
+            <a:srgbClr val="404040"/>
+          </a:solidFill>
+          <a:ln>
+            <a:noFill/>
+          </a:ln>
+        </p:spPr>
+        <p:style>
+          <a:lnRef idx="2">
+            <a:schemeClr val="accent1">
+              <a:shade val="50000"/>
+            </a:schemeClr>
+          </a:lnRef>
+          <a:fillRef idx="1">
+            <a:schemeClr val="accent1"/>
+          </a:fillRef>
+          <a:effectRef idx="0">
+            <a:schemeClr val="accent1"/>
+          </a:effectRef>
+          <a:fontRef idx="minor">
+            <a:schemeClr val="lt1"/>
+          </a:fontRef>
+        </p:style>
+        <p:txBody>
+          <a:bodyPr rtlCol="0" anchor="ctr"/>
+          <a:lstStyle/>
+          <a:p>
+            <a:pPr algn="ctr"/>
+            <a:endParaRPr lang="en-US"/>
+          </a:p>
+        </p:txBody>
+      </p:sp>
+      <p:sp>
+        <p:nvSpPr>
+          <p:cNvPr id="10" name="Freeform 13">
+            <a:extLst>
+              <a:ext uri="{FF2B5EF4-FFF2-40B4-BE49-F238E27FC236}">
+                <a16:creationId xmlns:a16="http://schemas.microsoft.com/office/drawing/2014/main" id="{987FDF89-C993-41F4-A1B8-DBAFF16008A9}"/>
+              </a:ext>
+              <a:ext uri="{C183D7F6-B498-43B3-948B-1728B52AA6E4}">
+                <adec:decorative xmlns:adec="http://schemas.microsoft.com/office/drawing/2017/decorative" val="1"/>
+              </a:ext>
+            </a:extLst>
+          </p:cNvPr>
+          <p:cNvSpPr>
+            <a:spLocks noGrp="1" noRot="1" noChangeAspect="1" noMove="1" noResize="1" noEditPoints="1" noAdjustHandles="1" noChangeArrowheads="1" noChangeShapeType="1" noTextEdit="1"/>
+          </p:cNvSpPr>
+          <p:nvPr>
+            <p:extLst>
+              <p:ext uri="{386F3935-93C4-4BCD-93E2-E3B085C9AB24}">
+                <p16:designElem xmlns:p16="http://schemas.microsoft.com/office/powerpoint/2015/main" val="1"/>
+              </p:ext>
+            </p:extLst>
+          </p:nvPr>
+        </p:nvSpPr>
+        <p:spPr>
+          <a:xfrm>
+            <a:off x="0" y="0"/>
+            <a:ext cx="11786754" cy="6858000"/>
+          </a:xfrm>
+          <a:custGeom>
+            <a:avLst/>
+            <a:gdLst>
+              <a:gd name="connsiteX0" fmla="*/ 0 w 11786754"/>
+              <a:gd name="connsiteY0" fmla="*/ 0 h 6858000"/>
+              <a:gd name="connsiteX1" fmla="*/ 8610600 w 11786754"/>
+              <a:gd name="connsiteY1" fmla="*/ 0 h 6858000"/>
+              <a:gd name="connsiteX2" fmla="*/ 11786754 w 11786754"/>
+              <a:gd name="connsiteY2" fmla="*/ 6858000 h 6858000"/>
+              <a:gd name="connsiteX3" fmla="*/ 0 w 11786754"/>
+              <a:gd name="connsiteY3" fmla="*/ 6858000 h 6858000"/>
+            </a:gdLst>
+            <a:ahLst/>
+            <a:cxnLst>
+              <a:cxn ang="0">
+                <a:pos x="connsiteX0" y="connsiteY0"/>
+              </a:cxn>
+              <a:cxn ang="0">
+                <a:pos x="connsiteX1" y="connsiteY1"/>
+              </a:cxn>
+              <a:cxn ang="0">
+                <a:pos x="connsiteX2" y="connsiteY2"/>
+              </a:cxn>
+              <a:cxn ang="0">
+                <a:pos x="connsiteX3" y="connsiteY3"/>
+              </a:cxn>
+            </a:cxnLst>
+            <a:rect l="l" t="t" r="r" b="b"/>
+            <a:pathLst>
+              <a:path w="11786754" h="6858000">
+                <a:moveTo>
+                  <a:pt x="0" y="0"/>
+                </a:moveTo>
+                <a:lnTo>
+                  <a:pt x="8610600" y="0"/>
+                </a:lnTo>
+                <a:lnTo>
+                  <a:pt x="11786754" y="6858000"/>
+                </a:lnTo>
+                <a:lnTo>
+                  <a:pt x="0" y="6858000"/>
+                </a:lnTo>
+                <a:close/>
+              </a:path>
+            </a:pathLst>
+          </a:custGeom>
+          <a:solidFill>
+            <a:srgbClr val="000000">
+              <a:alpha val="29804"/>
+            </a:srgbClr>
+          </a:solidFill>
+          <a:ln>
+            <a:noFill/>
+          </a:ln>
+        </p:spPr>
+        <p:style>
+          <a:lnRef idx="2">
+            <a:schemeClr val="accent1">
+              <a:shade val="50000"/>
+            </a:schemeClr>
+          </a:lnRef>
+          <a:fillRef idx="1">
+            <a:schemeClr val="accent1"/>
+          </a:fillRef>
+          <a:effectRef idx="0">
+            <a:schemeClr val="accent1"/>
+          </a:effectRef>
+          <a:fontRef idx="minor">
+            <a:schemeClr val="lt1"/>
+          </a:fontRef>
+        </p:style>
+        <p:txBody>
+          <a:bodyPr rtlCol="0" anchor="ctr"/>
+          <a:lstStyle/>
+          <a:p>
+            <a:pPr algn="ctr"/>
+            <a:endParaRPr lang="en-US"/>
+          </a:p>
+        </p:txBody>
+      </p:sp>
+      <p:sp>
+        <p:nvSpPr>
+          <p:cNvPr id="12" name="Freeform 11">
+            <a:extLst>
+              <a:ext uri="{FF2B5EF4-FFF2-40B4-BE49-F238E27FC236}">
+                <a16:creationId xmlns:a16="http://schemas.microsoft.com/office/drawing/2014/main" id="{64E585EA-75FD-4025-8270-F66A58A15CDA}"/>
+              </a:ext>
+              <a:ext uri="{C183D7F6-B498-43B3-948B-1728B52AA6E4}">
+                <adec:decorative xmlns:adec="http://schemas.microsoft.com/office/drawing/2017/decorative" val="1"/>
+              </a:ext>
+            </a:extLst>
+          </p:cNvPr>
+          <p:cNvSpPr>
+            <a:spLocks noGrp="1" noRot="1" noChangeAspect="1" noMove="1" noResize="1" noEditPoints="1" noAdjustHandles="1" noChangeArrowheads="1" noChangeShapeType="1" noTextEdit="1"/>
+          </p:cNvSpPr>
+          <p:nvPr>
+            <p:extLst>
+              <p:ext uri="{386F3935-93C4-4BCD-93E2-E3B085C9AB24}">
+                <p16:designElem xmlns:p16="http://schemas.microsoft.com/office/powerpoint/2015/main" val="1"/>
+              </p:ext>
+            </p:extLst>
+          </p:nvPr>
+        </p:nvSpPr>
+        <p:spPr>
+          <a:xfrm>
+            <a:off x="0" y="0"/>
+            <a:ext cx="3581400" cy="6858000"/>
+          </a:xfrm>
+          <a:custGeom>
+            <a:avLst/>
+            <a:gdLst>
+              <a:gd name="connsiteX0" fmla="*/ 0 w 3581400"/>
+              <a:gd name="connsiteY0" fmla="*/ 0 h 6858000"/>
+              <a:gd name="connsiteX1" fmla="*/ 405246 w 3581400"/>
+              <a:gd name="connsiteY1" fmla="*/ 0 h 6858000"/>
+              <a:gd name="connsiteX2" fmla="*/ 3581400 w 3581400"/>
+              <a:gd name="connsiteY2" fmla="*/ 6858000 h 6858000"/>
+              <a:gd name="connsiteX3" fmla="*/ 0 w 3581400"/>
+              <a:gd name="connsiteY3" fmla="*/ 6858000 h 6858000"/>
+            </a:gdLst>
+            <a:ahLst/>
+            <a:cxnLst>
+              <a:cxn ang="0">
+                <a:pos x="connsiteX0" y="connsiteY0"/>
+              </a:cxn>
+              <a:cxn ang="0">
+                <a:pos x="connsiteX1" y="connsiteY1"/>
+              </a:cxn>
+              <a:cxn ang="0">
+                <a:pos x="connsiteX2" y="connsiteY2"/>
+              </a:cxn>
+              <a:cxn ang="0">
+                <a:pos x="connsiteX3" y="connsiteY3"/>
+              </a:cxn>
+            </a:cxnLst>
+            <a:rect l="l" t="t" r="r" b="b"/>
+            <a:pathLst>
+              <a:path w="3581400" h="6858000">
+                <a:moveTo>
+                  <a:pt x="0" y="0"/>
+                </a:moveTo>
+                <a:lnTo>
+                  <a:pt x="405246" y="0"/>
+                </a:lnTo>
+                <a:lnTo>
+                  <a:pt x="3581400" y="6858000"/>
+                </a:lnTo>
+                <a:lnTo>
+                  <a:pt x="0" y="6858000"/>
+                </a:lnTo>
+                <a:close/>
+              </a:path>
+            </a:pathLst>
+          </a:custGeom>
+          <a:solidFill>
+            <a:srgbClr val="000000">
+              <a:alpha val="29804"/>
+            </a:srgbClr>
+          </a:solidFill>
+          <a:ln>
+            <a:noFill/>
+          </a:ln>
+        </p:spPr>
+        <p:style>
+          <a:lnRef idx="2">
+            <a:schemeClr val="accent1">
+              <a:shade val="50000"/>
+            </a:schemeClr>
+          </a:lnRef>
+          <a:fillRef idx="1">
+            <a:schemeClr val="accent1"/>
+          </a:fillRef>
+          <a:effectRef idx="0">
+            <a:schemeClr val="accent1"/>
+          </a:effectRef>
+          <a:fontRef idx="minor">
+            <a:schemeClr val="lt1"/>
+          </a:fontRef>
+        </p:style>
+        <p:txBody>
+          <a:bodyPr wrap="square" rtlCol="0" anchor="ctr">
+            <a:noAutofit/>
+          </a:bodyPr>
+          <a:lstStyle/>
+          <a:p>
+            <a:pPr algn="ctr"/>
+            <a:endParaRPr lang="en-US"/>
+          </a:p>
+        </p:txBody>
+      </p:sp>
+      <p:sp>
+        <p:nvSpPr>
+          <p:cNvPr id="2" name="Título 1">
+            <a:extLst>
+              <a:ext uri="{FF2B5EF4-FFF2-40B4-BE49-F238E27FC236}">
+                <a16:creationId xmlns:a16="http://schemas.microsoft.com/office/drawing/2014/main" id="{FFF36D01-D206-25B5-C189-70A177442759}"/>
+              </a:ext>
+            </a:extLst>
+          </p:cNvPr>
+          <p:cNvSpPr>
+            <a:spLocks noGrp="1"/>
+          </p:cNvSpPr>
+          <p:nvPr>
+            <p:ph type="title"/>
+          </p:nvPr>
+        </p:nvSpPr>
+        <p:spPr>
+          <a:xfrm>
+            <a:off x="833002" y="365125"/>
+            <a:ext cx="10520702" cy="1325563"/>
+          </a:xfrm>
+        </p:spPr>
+        <p:txBody>
+          <a:bodyPr>
+            <a:normAutofit/>
+          </a:bodyPr>
+          <a:lstStyle/>
           <a:p>
             <a:r>
-              <a:rPr lang="pt-BR" sz="2000" dirty="0" err="1">
+              <a:rPr lang="pt-BR" dirty="0">
                 <a:solidFill>
                   <a:srgbClr val="FFFFFF"/>
                 </a:solidFill>
               </a:rPr>
-              <a:t>Xxxxxxxxxxxxxxxxxxxxxxxxxxxx</a:t>
+              <a:t>Introdução ao curso de HTML</a:t>
             </a:r>
-            <a:endParaRPr lang="pt-BR" sz="2000" dirty="0">
-              <a:solidFill>
-                <a:srgbClr val="FFFFFF"/>
-              </a:solidFill>
-            </a:endParaRPr>
           </a:p>
+        </p:txBody>
+      </p:sp>
+      <p:pic>
+        <p:nvPicPr>
+          <p:cNvPr id="4" name="Imagem 3">
+            <a:extLst>
+              <a:ext uri="{FF2B5EF4-FFF2-40B4-BE49-F238E27FC236}">
+                <a16:creationId xmlns:a16="http://schemas.microsoft.com/office/drawing/2014/main" id="{07FB6E7B-43E6-6CD2-0731-410FE7137DA3}"/>
+              </a:ext>
+            </a:extLst>
+          </p:cNvPr>
+          <p:cNvPicPr>
+            <a:picLocks noChangeAspect="1"/>
+          </p:cNvPicPr>
+          <p:nvPr/>
+        </p:nvPicPr>
+        <p:blipFill>
+          <a:blip r:embed="rId2"/>
+          <a:stretch>
+            <a:fillRect/>
+          </a:stretch>
+        </p:blipFill>
+        <p:spPr>
+          <a:xfrm>
+            <a:off x="2252662" y="2052637"/>
+            <a:ext cx="7686675" cy="2752725"/>
+          </a:xfrm>
+          <a:prstGeom prst="rect">
+            <a:avLst/>
+          </a:prstGeom>
+        </p:spPr>
+      </p:pic>
+    </p:spTree>
+    <p:extLst>
+      <p:ext uri="{BB962C8B-B14F-4D97-AF65-F5344CB8AC3E}">
+        <p14:creationId xmlns:p14="http://schemas.microsoft.com/office/powerpoint/2010/main" val="753735844"/>
+      </p:ext>
+    </p:extLst>
+  </p:cSld>
+  <p:clrMapOvr>
+    <a:overrideClrMapping bg1="dk1" tx1="lt1" bg2="dk2" tx2="lt2" accent1="accent1" accent2="accent2" accent3="accent3" accent4="accent4" accent5="accent5" accent6="accent6" hlink="hlink" folHlink="folHlink"/>
+  </p:clrMapOvr>
+</p:sld>
+</file>
+
+<file path=ppt/slides/slide7.xml><?xml version="1.0" encoding="utf-8"?>
+<p:sld xmlns:a="http://schemas.openxmlformats.org/drawingml/2006/main" xmlns:r="http://schemas.openxmlformats.org/officeDocument/2006/relationships" xmlns:p="http://schemas.openxmlformats.org/presentationml/2006/main">
+  <p:cSld>
+    <p:bg>
+      <p:bgPr>
+        <a:solidFill>
+          <a:srgbClr val="404040"/>
+        </a:solidFill>
+        <a:effectLst/>
+      </p:bgPr>
+    </p:bg>
+    <p:spTree>
+      <p:nvGrpSpPr>
+        <p:cNvPr id="1" name=""/>
+        <p:cNvGrpSpPr/>
+        <p:nvPr/>
+      </p:nvGrpSpPr>
+      <p:grpSpPr>
+        <a:xfrm>
+          <a:off x="0" y="0"/>
+          <a:ext cx="0" cy="0"/>
+          <a:chOff x="0" y="0"/>
+          <a:chExt cx="0" cy="0"/>
+        </a:xfrm>
+      </p:grpSpPr>
+      <p:sp>
+        <p:nvSpPr>
+          <p:cNvPr id="8" name="Rectangle 7">
+            <a:extLst>
+              <a:ext uri="{FF2B5EF4-FFF2-40B4-BE49-F238E27FC236}">
+                <a16:creationId xmlns:a16="http://schemas.microsoft.com/office/drawing/2014/main" id="{EA67B5B4-3A24-436E-B663-1B2EBFF8A0CD}"/>
+              </a:ext>
+              <a:ext uri="{C183D7F6-B498-43B3-948B-1728B52AA6E4}">
+                <adec:decorative xmlns:adec="http://schemas.microsoft.com/office/drawing/2017/decorative" val="1"/>
+              </a:ext>
+            </a:extLst>
+          </p:cNvPr>
+          <p:cNvSpPr>
+            <a:spLocks noGrp="1" noRot="1" noChangeAspect="1" noMove="1" noResize="1" noEditPoints="1" noAdjustHandles="1" noChangeArrowheads="1" noChangeShapeType="1" noTextEdit="1"/>
+          </p:cNvSpPr>
+          <p:nvPr>
+            <p:extLst>
+              <p:ext uri="{386F3935-93C4-4BCD-93E2-E3B085C9AB24}">
+                <p16:designElem xmlns:p16="http://schemas.microsoft.com/office/powerpoint/2015/main" val="1"/>
+              </p:ext>
+            </p:extLst>
+          </p:nvPr>
+        </p:nvSpPr>
+        <p:spPr>
+          <a:xfrm>
+            <a:off x="0" y="-3324"/>
+            <a:ext cx="12192000" cy="6861324"/>
+          </a:xfrm>
+          <a:prstGeom prst="rect">
+            <a:avLst/>
+          </a:prstGeom>
+          <a:solidFill>
+            <a:srgbClr val="404040"/>
+          </a:solidFill>
+          <a:ln>
+            <a:noFill/>
+          </a:ln>
+        </p:spPr>
+        <p:style>
+          <a:lnRef idx="2">
+            <a:schemeClr val="accent1">
+              <a:shade val="50000"/>
+            </a:schemeClr>
+          </a:lnRef>
+          <a:fillRef idx="1">
+            <a:schemeClr val="accent1"/>
+          </a:fillRef>
+          <a:effectRef idx="0">
+            <a:schemeClr val="accent1"/>
+          </a:effectRef>
+          <a:fontRef idx="minor">
+            <a:schemeClr val="lt1"/>
+          </a:fontRef>
+        </p:style>
+        <p:txBody>
+          <a:bodyPr rtlCol="0" anchor="ctr"/>
+          <a:lstStyle/>
+          <a:p>
+            <a:pPr algn="ctr"/>
+            <a:endParaRPr lang="en-US"/>
+          </a:p>
+        </p:txBody>
+      </p:sp>
+      <p:sp>
+        <p:nvSpPr>
+          <p:cNvPr id="10" name="Freeform 13">
+            <a:extLst>
+              <a:ext uri="{FF2B5EF4-FFF2-40B4-BE49-F238E27FC236}">
+                <a16:creationId xmlns:a16="http://schemas.microsoft.com/office/drawing/2014/main" id="{987FDF89-C993-41F4-A1B8-DBAFF16008A9}"/>
+              </a:ext>
+              <a:ext uri="{C183D7F6-B498-43B3-948B-1728B52AA6E4}">
+                <adec:decorative xmlns:adec="http://schemas.microsoft.com/office/drawing/2017/decorative" val="1"/>
+              </a:ext>
+            </a:extLst>
+          </p:cNvPr>
+          <p:cNvSpPr>
+            <a:spLocks noGrp="1" noRot="1" noChangeAspect="1" noMove="1" noResize="1" noEditPoints="1" noAdjustHandles="1" noChangeArrowheads="1" noChangeShapeType="1" noTextEdit="1"/>
+          </p:cNvSpPr>
+          <p:nvPr>
+            <p:extLst>
+              <p:ext uri="{386F3935-93C4-4BCD-93E2-E3B085C9AB24}">
+                <p16:designElem xmlns:p16="http://schemas.microsoft.com/office/powerpoint/2015/main" val="1"/>
+              </p:ext>
+            </p:extLst>
+          </p:nvPr>
+        </p:nvSpPr>
+        <p:spPr>
+          <a:xfrm>
+            <a:off x="0" y="0"/>
+            <a:ext cx="11786754" cy="6858000"/>
+          </a:xfrm>
+          <a:custGeom>
+            <a:avLst/>
+            <a:gdLst>
+              <a:gd name="connsiteX0" fmla="*/ 0 w 11786754"/>
+              <a:gd name="connsiteY0" fmla="*/ 0 h 6858000"/>
+              <a:gd name="connsiteX1" fmla="*/ 8610600 w 11786754"/>
+              <a:gd name="connsiteY1" fmla="*/ 0 h 6858000"/>
+              <a:gd name="connsiteX2" fmla="*/ 11786754 w 11786754"/>
+              <a:gd name="connsiteY2" fmla="*/ 6858000 h 6858000"/>
+              <a:gd name="connsiteX3" fmla="*/ 0 w 11786754"/>
+              <a:gd name="connsiteY3" fmla="*/ 6858000 h 6858000"/>
+            </a:gdLst>
+            <a:ahLst/>
+            <a:cxnLst>
+              <a:cxn ang="0">
+                <a:pos x="connsiteX0" y="connsiteY0"/>
+              </a:cxn>
+              <a:cxn ang="0">
+                <a:pos x="connsiteX1" y="connsiteY1"/>
+              </a:cxn>
+              <a:cxn ang="0">
+                <a:pos x="connsiteX2" y="connsiteY2"/>
+              </a:cxn>
+              <a:cxn ang="0">
+                <a:pos x="connsiteX3" y="connsiteY3"/>
+              </a:cxn>
+            </a:cxnLst>
+            <a:rect l="l" t="t" r="r" b="b"/>
+            <a:pathLst>
+              <a:path w="11786754" h="6858000">
+                <a:moveTo>
+                  <a:pt x="0" y="0"/>
+                </a:moveTo>
+                <a:lnTo>
+                  <a:pt x="8610600" y="0"/>
+                </a:lnTo>
+                <a:lnTo>
+                  <a:pt x="11786754" y="6858000"/>
+                </a:lnTo>
+                <a:lnTo>
+                  <a:pt x="0" y="6858000"/>
+                </a:lnTo>
+                <a:close/>
+              </a:path>
+            </a:pathLst>
+          </a:custGeom>
+          <a:solidFill>
+            <a:srgbClr val="000000">
+              <a:alpha val="29804"/>
+            </a:srgbClr>
+          </a:solidFill>
+          <a:ln>
+            <a:noFill/>
+          </a:ln>
+        </p:spPr>
+        <p:style>
+          <a:lnRef idx="2">
+            <a:schemeClr val="accent1">
+              <a:shade val="50000"/>
+            </a:schemeClr>
+          </a:lnRef>
+          <a:fillRef idx="1">
+            <a:schemeClr val="accent1"/>
+          </a:fillRef>
+          <a:effectRef idx="0">
+            <a:schemeClr val="accent1"/>
+          </a:effectRef>
+          <a:fontRef idx="minor">
+            <a:schemeClr val="lt1"/>
+          </a:fontRef>
+        </p:style>
+        <p:txBody>
+          <a:bodyPr rtlCol="0" anchor="ctr"/>
+          <a:lstStyle/>
+          <a:p>
+            <a:pPr algn="ctr"/>
+            <a:endParaRPr lang="en-US"/>
+          </a:p>
+        </p:txBody>
+      </p:sp>
+      <p:sp>
+        <p:nvSpPr>
+          <p:cNvPr id="12" name="Freeform 11">
+            <a:extLst>
+              <a:ext uri="{FF2B5EF4-FFF2-40B4-BE49-F238E27FC236}">
+                <a16:creationId xmlns:a16="http://schemas.microsoft.com/office/drawing/2014/main" id="{64E585EA-75FD-4025-8270-F66A58A15CDA}"/>
+              </a:ext>
+              <a:ext uri="{C183D7F6-B498-43B3-948B-1728B52AA6E4}">
+                <adec:decorative xmlns:adec="http://schemas.microsoft.com/office/drawing/2017/decorative" val="1"/>
+              </a:ext>
+            </a:extLst>
+          </p:cNvPr>
+          <p:cNvSpPr>
+            <a:spLocks noGrp="1" noRot="1" noChangeAspect="1" noMove="1" noResize="1" noEditPoints="1" noAdjustHandles="1" noChangeArrowheads="1" noChangeShapeType="1" noTextEdit="1"/>
+          </p:cNvSpPr>
+          <p:nvPr>
+            <p:extLst>
+              <p:ext uri="{386F3935-93C4-4BCD-93E2-E3B085C9AB24}">
+                <p16:designElem xmlns:p16="http://schemas.microsoft.com/office/powerpoint/2015/main" val="1"/>
+              </p:ext>
+            </p:extLst>
+          </p:nvPr>
+        </p:nvSpPr>
+        <p:spPr>
+          <a:xfrm>
+            <a:off x="0" y="0"/>
+            <a:ext cx="3581400" cy="6858000"/>
+          </a:xfrm>
+          <a:custGeom>
+            <a:avLst/>
+            <a:gdLst>
+              <a:gd name="connsiteX0" fmla="*/ 0 w 3581400"/>
+              <a:gd name="connsiteY0" fmla="*/ 0 h 6858000"/>
+              <a:gd name="connsiteX1" fmla="*/ 405246 w 3581400"/>
+              <a:gd name="connsiteY1" fmla="*/ 0 h 6858000"/>
+              <a:gd name="connsiteX2" fmla="*/ 3581400 w 3581400"/>
+              <a:gd name="connsiteY2" fmla="*/ 6858000 h 6858000"/>
+              <a:gd name="connsiteX3" fmla="*/ 0 w 3581400"/>
+              <a:gd name="connsiteY3" fmla="*/ 6858000 h 6858000"/>
+            </a:gdLst>
+            <a:ahLst/>
+            <a:cxnLst>
+              <a:cxn ang="0">
+                <a:pos x="connsiteX0" y="connsiteY0"/>
+              </a:cxn>
+              <a:cxn ang="0">
+                <a:pos x="connsiteX1" y="connsiteY1"/>
+              </a:cxn>
+              <a:cxn ang="0">
+                <a:pos x="connsiteX2" y="connsiteY2"/>
+              </a:cxn>
+              <a:cxn ang="0">
+                <a:pos x="connsiteX3" y="connsiteY3"/>
+              </a:cxn>
+            </a:cxnLst>
+            <a:rect l="l" t="t" r="r" b="b"/>
+            <a:pathLst>
+              <a:path w="3581400" h="6858000">
+                <a:moveTo>
+                  <a:pt x="0" y="0"/>
+                </a:moveTo>
+                <a:lnTo>
+                  <a:pt x="405246" y="0"/>
+                </a:lnTo>
+                <a:lnTo>
+                  <a:pt x="3581400" y="6858000"/>
+                </a:lnTo>
+                <a:lnTo>
+                  <a:pt x="0" y="6858000"/>
+                </a:lnTo>
+                <a:close/>
+              </a:path>
+            </a:pathLst>
+          </a:custGeom>
+          <a:solidFill>
+            <a:srgbClr val="000000">
+              <a:alpha val="29804"/>
+            </a:srgbClr>
+          </a:solidFill>
+          <a:ln>
+            <a:noFill/>
+          </a:ln>
+        </p:spPr>
+        <p:style>
+          <a:lnRef idx="2">
+            <a:schemeClr val="accent1">
+              <a:shade val="50000"/>
+            </a:schemeClr>
+          </a:lnRef>
+          <a:fillRef idx="1">
+            <a:schemeClr val="accent1"/>
+          </a:fillRef>
+          <a:effectRef idx="0">
+            <a:schemeClr val="accent1"/>
+          </a:effectRef>
+          <a:fontRef idx="minor">
+            <a:schemeClr val="lt1"/>
+          </a:fontRef>
+        </p:style>
+        <p:txBody>
+          <a:bodyPr wrap="square" rtlCol="0" anchor="ctr">
+            <a:noAutofit/>
+          </a:bodyPr>
+          <a:lstStyle/>
+          <a:p>
+            <a:pPr algn="ctr"/>
+            <a:endParaRPr lang="en-US"/>
+          </a:p>
+        </p:txBody>
+      </p:sp>
+      <p:sp>
+        <p:nvSpPr>
+          <p:cNvPr id="2" name="Título 1">
+            <a:extLst>
+              <a:ext uri="{FF2B5EF4-FFF2-40B4-BE49-F238E27FC236}">
+                <a16:creationId xmlns:a16="http://schemas.microsoft.com/office/drawing/2014/main" id="{FFF36D01-D206-25B5-C189-70A177442759}"/>
+              </a:ext>
+            </a:extLst>
+          </p:cNvPr>
+          <p:cNvSpPr>
+            <a:spLocks noGrp="1"/>
+          </p:cNvSpPr>
+          <p:nvPr>
+            <p:ph type="title"/>
+          </p:nvPr>
+        </p:nvSpPr>
+        <p:spPr>
+          <a:xfrm>
+            <a:off x="833002" y="365125"/>
+            <a:ext cx="10520702" cy="1325563"/>
+          </a:xfrm>
+        </p:spPr>
+        <p:txBody>
+          <a:bodyPr>
+            <a:normAutofit/>
+          </a:bodyPr>
+          <a:lstStyle/>
           <a:p>
             <a:r>
-              <a:rPr lang="pt-BR" sz="2000" dirty="0" err="1">
+              <a:rPr lang="pt-BR" dirty="0">
                 <a:solidFill>
                   <a:srgbClr val="FFFFFF"/>
                 </a:solidFill>
               </a:rPr>
-              <a:t>Xxxxxxxxxxxxxxxxxxxxxxxx</a:t>
+              <a:t>Introdução ao curso de HTML</a:t>
             </a:r>
-            <a:endParaRPr lang="pt-BR" sz="2000" dirty="0">
-              <a:solidFill>
-                <a:srgbClr val="FFFFFF"/>
-              </a:solidFill>
-            </a:endParaRPr>
-          </a:p>
-          <a:p>
-            <a:r>
-              <a:rPr lang="pt-BR" sz="2000" dirty="0" err="1">
-                <a:solidFill>
-                  <a:srgbClr val="FFFFFF"/>
-                </a:solidFill>
-              </a:rPr>
-              <a:t>xxxxxxxxxxxxxxxxxxxxxxxxx</a:t>
-            </a:r>
-            <a:endParaRPr lang="pt-BR" sz="2000" dirty="0">
-              <a:solidFill>
-                <a:srgbClr val="FFFFFF"/>
-              </a:solidFill>
-            </a:endParaRPr>
-          </a:p>
-          <a:p>
-            <a:endParaRPr lang="pt-BR" sz="2000" dirty="0">
-              <a:solidFill>
-                <a:srgbClr val="FFFFFF"/>
-              </a:solidFill>
-            </a:endParaRPr>
           </a:p>
         </p:txBody>
       </p:sp>
+      <p:pic>
+        <p:nvPicPr>
+          <p:cNvPr id="5" name="Imagem 4">
+            <a:extLst>
+              <a:ext uri="{FF2B5EF4-FFF2-40B4-BE49-F238E27FC236}">
+                <a16:creationId xmlns:a16="http://schemas.microsoft.com/office/drawing/2014/main" id="{AD35E1D5-0EA9-B4CC-88EB-A9E31422A822}"/>
+              </a:ext>
+            </a:extLst>
+          </p:cNvPr>
+          <p:cNvPicPr>
+            <a:picLocks noChangeAspect="1"/>
+          </p:cNvPicPr>
+          <p:nvPr/>
+        </p:nvPicPr>
+        <p:blipFill>
+          <a:blip r:embed="rId2"/>
+          <a:stretch>
+            <a:fillRect/>
+          </a:stretch>
+        </p:blipFill>
+        <p:spPr>
+          <a:xfrm>
+            <a:off x="1446263" y="1661610"/>
+            <a:ext cx="7197164" cy="4831265"/>
+          </a:xfrm>
+          <a:prstGeom prst="rect">
+            <a:avLst/>
+          </a:prstGeom>
+        </p:spPr>
+      </p:pic>
     </p:spTree>
     <p:extLst>
       <p:ext uri="{BB962C8B-B14F-4D97-AF65-F5344CB8AC3E}">
-        <p14:creationId xmlns:p14="http://schemas.microsoft.com/office/powerpoint/2010/main" val="2906391253"/>
+        <p14:creationId xmlns:p14="http://schemas.microsoft.com/office/powerpoint/2010/main" val="999744620"/>
       </p:ext>
     </p:extLst>
   </p:cSld>
